--- a/AngularJS.pptx
+++ b/AngularJS.pptx
@@ -329,7 +329,7 @@
           <a:p>
             <a:fld id="{FBBA6D21-7699-420F-BF87-FFF975A3ED04}" type="datetimeFigureOut">
               <a:rPr lang="en-US" smtClean="0"/>
-              <a:t>5/12/2016</a:t>
+              <a:t>5/13/2016</a:t>
             </a:fld>
             <a:endParaRPr lang="en-US"/>
           </a:p>
@@ -594,7 +594,7 @@
           <a:p>
             <a:fld id="{FBBA6D21-7699-420F-BF87-FFF975A3ED04}" type="datetimeFigureOut">
               <a:rPr lang="en-US" smtClean="0"/>
-              <a:t>5/12/2016</a:t>
+              <a:t>5/13/2016</a:t>
             </a:fld>
             <a:endParaRPr lang="en-US"/>
           </a:p>
@@ -769,7 +769,7 @@
           <a:p>
             <a:fld id="{FBBA6D21-7699-420F-BF87-FFF975A3ED04}" type="datetimeFigureOut">
               <a:rPr lang="en-US" smtClean="0"/>
-              <a:t>5/12/2016</a:t>
+              <a:t>5/13/2016</a:t>
             </a:fld>
             <a:endParaRPr lang="en-US"/>
           </a:p>
@@ -934,7 +934,7 @@
           <a:p>
             <a:fld id="{FBBA6D21-7699-420F-BF87-FFF975A3ED04}" type="datetimeFigureOut">
               <a:rPr lang="en-US" smtClean="0"/>
-              <a:t>5/12/2016</a:t>
+              <a:t>5/13/2016</a:t>
             </a:fld>
             <a:endParaRPr lang="en-US"/>
           </a:p>
@@ -1183,7 +1183,7 @@
           <a:p>
             <a:fld id="{FBBA6D21-7699-420F-BF87-FFF975A3ED04}" type="datetimeFigureOut">
               <a:rPr lang="en-US" smtClean="0"/>
-              <a:t>5/12/2016</a:t>
+              <a:t>5/13/2016</a:t>
             </a:fld>
             <a:endParaRPr lang="en-US"/>
           </a:p>
@@ -1466,7 +1466,7 @@
           <a:p>
             <a:fld id="{FBBA6D21-7699-420F-BF87-FFF975A3ED04}" type="datetimeFigureOut">
               <a:rPr lang="en-US" smtClean="0"/>
-              <a:t>5/12/2016</a:t>
+              <a:t>5/13/2016</a:t>
             </a:fld>
             <a:endParaRPr lang="en-US"/>
           </a:p>
@@ -1905,7 +1905,7 @@
           <a:p>
             <a:fld id="{FBBA6D21-7699-420F-BF87-FFF975A3ED04}" type="datetimeFigureOut">
               <a:rPr lang="en-US" smtClean="0"/>
-              <a:t>5/12/2016</a:t>
+              <a:t>5/13/2016</a:t>
             </a:fld>
             <a:endParaRPr lang="en-US"/>
           </a:p>
@@ -2018,7 +2018,7 @@
           <a:p>
             <a:fld id="{FBBA6D21-7699-420F-BF87-FFF975A3ED04}" type="datetimeFigureOut">
               <a:rPr lang="en-US" smtClean="0"/>
-              <a:t>5/12/2016</a:t>
+              <a:t>5/13/2016</a:t>
             </a:fld>
             <a:endParaRPr lang="en-US"/>
           </a:p>
@@ -2108,7 +2108,7 @@
           <a:p>
             <a:fld id="{FBBA6D21-7699-420F-BF87-FFF975A3ED04}" type="datetimeFigureOut">
               <a:rPr lang="en-US" smtClean="0"/>
-              <a:t>5/12/2016</a:t>
+              <a:t>5/13/2016</a:t>
             </a:fld>
             <a:endParaRPr lang="en-US"/>
           </a:p>
@@ -2350,7 +2350,7 @@
           <a:p>
             <a:fld id="{FBBA6D21-7699-420F-BF87-FFF975A3ED04}" type="datetimeFigureOut">
               <a:rPr lang="en-US" smtClean="0"/>
-              <a:t>5/12/2016</a:t>
+              <a:t>5/13/2016</a:t>
             </a:fld>
             <a:endParaRPr lang="en-US"/>
           </a:p>
@@ -2644,7 +2644,7 @@
           <a:p>
             <a:fld id="{FBBA6D21-7699-420F-BF87-FFF975A3ED04}" type="datetimeFigureOut">
               <a:rPr lang="en-US" smtClean="0"/>
-              <a:t>5/12/2016</a:t>
+              <a:t>5/13/2016</a:t>
             </a:fld>
             <a:endParaRPr lang="en-US"/>
           </a:p>
@@ -2938,7 +2938,7 @@
           <a:p>
             <a:fld id="{FBBA6D21-7699-420F-BF87-FFF975A3ED04}" type="datetimeFigureOut">
               <a:rPr lang="en-US" smtClean="0"/>
-              <a:t>5/12/2016</a:t>
+              <a:t>5/13/2016</a:t>
             </a:fld>
             <a:endParaRPr lang="en-US"/>
           </a:p>
@@ -5299,7 +5299,21 @@
                 <a:latin typeface="AngsanaUPC" pitchFamily="18" charset="-34"/>
                 <a:cs typeface="AngsanaUPC" pitchFamily="18" charset="-34"/>
               </a:rPr>
-              <a:t>จัดการแสดงผลค่าของ </a:t>
+              <a:t>เปลี่ยน</a:t>
+            </a:r>
+            <a:r>
+              <a:rPr lang="th-TH" sz="3600" b="0" dirty="0" smtClean="0">
+                <a:latin typeface="AngsanaUPC" pitchFamily="18" charset="-34"/>
+                <a:cs typeface="AngsanaUPC" pitchFamily="18" charset="-34"/>
+              </a:rPr>
+              <a:t>การ</a:t>
+            </a:r>
+            <a:r>
+              <a:rPr lang="th-TH" sz="3600" b="0" dirty="0" smtClean="0">
+                <a:latin typeface="AngsanaUPC" pitchFamily="18" charset="-34"/>
+                <a:cs typeface="AngsanaUPC" pitchFamily="18" charset="-34"/>
+              </a:rPr>
+              <a:t>แสดงผลค่าของ </a:t>
             </a:r>
             <a:r>
               <a:rPr lang="en-US" sz="3600" b="0" dirty="0" smtClean="0">
@@ -7767,33 +7781,23 @@
               <a:buChar char="Ø"/>
             </a:pPr>
             <a:r>
-              <a:rPr lang="th-TH" sz="3600" b="0" dirty="0" smtClean="0">
-                <a:latin typeface="AngsanaUPC" pitchFamily="18" charset="-34"/>
-                <a:cs typeface="AngsanaUPC" pitchFamily="18" charset="-34"/>
-              </a:rPr>
-              <a:t>สามารถใช้เพื่อ </a:t>
+              <a:rPr lang="th-TH" sz="3600" b="0" dirty="0">
+                <a:latin typeface="AngsanaUPC" pitchFamily="18" charset="-34"/>
+                <a:cs typeface="AngsanaUPC" pitchFamily="18" charset="-34"/>
+              </a:rPr>
+              <a:t>เป็น </a:t>
             </a:r>
             <a:r>
               <a:rPr lang="en-US" sz="3600" b="0" dirty="0" smtClean="0">
                 <a:latin typeface="AngsanaUPC" pitchFamily="18" charset="-34"/>
                 <a:cs typeface="AngsanaUPC" pitchFamily="18" charset="-34"/>
               </a:rPr>
-              <a:t>share data </a:t>
-            </a:r>
-            <a:r>
-              <a:rPr lang="th-TH" sz="3600" b="0" dirty="0" smtClean="0">
-                <a:latin typeface="AngsanaUPC" pitchFamily="18" charset="-34"/>
-                <a:cs typeface="AngsanaUPC" pitchFamily="18" charset="-34"/>
-              </a:rPr>
-              <a:t>ระหว่าง </a:t>
-            </a:r>
-            <a:r>
-              <a:rPr lang="en-US" sz="3600" b="0" dirty="0" smtClean="0">
-                <a:latin typeface="AngsanaUPC" pitchFamily="18" charset="-34"/>
-                <a:cs typeface="AngsanaUPC" pitchFamily="18" charset="-34"/>
-              </a:rPr>
-              <a:t>controller</a:t>
-            </a:r>
+              <a:t>Singleton</a:t>
+            </a:r>
+            <a:endParaRPr lang="en-US" sz="3600" b="0" dirty="0" smtClean="0">
+              <a:latin typeface="AngsanaUPC" pitchFamily="18" charset="-34"/>
+              <a:cs typeface="AngsanaUPC" pitchFamily="18" charset="-34"/>
+            </a:endParaRPr>
           </a:p>
           <a:p>
             <a:pPr marL="571500" indent="-571500">
@@ -7801,39 +7805,32 @@
               <a:buChar char="Ø"/>
             </a:pPr>
             <a:r>
+              <a:rPr lang="th-TH" sz="3600" b="0" dirty="0" smtClean="0">
+                <a:latin typeface="AngsanaUPC" pitchFamily="18" charset="-34"/>
+                <a:cs typeface="AngsanaUPC" pitchFamily="18" charset="-34"/>
+              </a:rPr>
+              <a:t>สามารถใช้เพื่อ </a:t>
+            </a:r>
+            <a:r>
               <a:rPr lang="en-US" sz="3600" b="0" dirty="0" smtClean="0">
                 <a:latin typeface="AngsanaUPC" pitchFamily="18" charset="-34"/>
                 <a:cs typeface="AngsanaUPC" pitchFamily="18" charset="-34"/>
               </a:rPr>
-              <a:t>Built-in services </a:t>
+              <a:t>share data </a:t>
             </a:r>
             <a:r>
               <a:rPr lang="th-TH" sz="3600" b="0" dirty="0" smtClean="0">
                 <a:latin typeface="AngsanaUPC" pitchFamily="18" charset="-34"/>
                 <a:cs typeface="AngsanaUPC" pitchFamily="18" charset="-34"/>
               </a:rPr>
-              <a:t>จะขึ้นต้นด้วย </a:t>
+              <a:t>ระหว่าง </a:t>
             </a:r>
             <a:r>
               <a:rPr lang="en-US" sz="3600" b="0" dirty="0" smtClean="0">
                 <a:latin typeface="AngsanaUPC" pitchFamily="18" charset="-34"/>
                 <a:cs typeface="AngsanaUPC" pitchFamily="18" charset="-34"/>
               </a:rPr>
-              <a:t>$ </a:t>
-            </a:r>
-            <a:r>
-              <a:rPr lang="th-TH" sz="3600" b="0" dirty="0" smtClean="0">
-                <a:latin typeface="AngsanaUPC" pitchFamily="18" charset="-34"/>
-                <a:cs typeface="AngsanaUPC" pitchFamily="18" charset="-34"/>
-              </a:rPr>
-              <a:t>เสมอ เช่น </a:t>
-            </a:r>
-            <a:r>
-              <a:rPr lang="en-US" sz="3600" b="0" dirty="0" smtClean="0">
-                <a:latin typeface="AngsanaUPC" pitchFamily="18" charset="-34"/>
-                <a:cs typeface="AngsanaUPC" pitchFamily="18" charset="-34"/>
-              </a:rPr>
-              <a:t>$scope, $http</a:t>
+              <a:t>controller</a:t>
             </a:r>
           </a:p>
           <a:p>
@@ -7842,18 +7839,39 @@
               <a:buChar char="Ø"/>
             </a:pPr>
             <a:r>
+              <a:rPr lang="en-US" sz="3600" b="0" dirty="0" smtClean="0">
+                <a:latin typeface="AngsanaUPC" pitchFamily="18" charset="-34"/>
+                <a:cs typeface="AngsanaUPC" pitchFamily="18" charset="-34"/>
+              </a:rPr>
+              <a:t>Built-in services </a:t>
+            </a:r>
+            <a:r>
               <a:rPr lang="th-TH" sz="3600" b="0" dirty="0" smtClean="0">
                 <a:latin typeface="AngsanaUPC" pitchFamily="18" charset="-34"/>
                 <a:cs typeface="AngsanaUPC" pitchFamily="18" charset="-34"/>
               </a:rPr>
-              <a:t>เป็น </a:t>
+              <a:t>จะขึ้นต้นด้วย </a:t>
             </a:r>
             <a:r>
               <a:rPr lang="en-US" sz="3600" b="0" dirty="0" smtClean="0">
                 <a:latin typeface="AngsanaUPC" pitchFamily="18" charset="-34"/>
                 <a:cs typeface="AngsanaUPC" pitchFamily="18" charset="-34"/>
               </a:rPr>
-              <a:t>Singleton</a:t>
+              <a:t>$ </a:t>
+            </a:r>
+            <a:r>
+              <a:rPr lang="th-TH" sz="3600" b="0" dirty="0" smtClean="0">
+                <a:latin typeface="AngsanaUPC" pitchFamily="18" charset="-34"/>
+                <a:cs typeface="AngsanaUPC" pitchFamily="18" charset="-34"/>
+              </a:rPr>
+              <a:t>เสมอ เช่น </a:t>
+            </a:r>
+            <a:r>
+              <a:rPr lang="en-US" sz="3600" b="0" dirty="0" smtClean="0">
+                <a:latin typeface="AngsanaUPC" pitchFamily="18" charset="-34"/>
+                <a:cs typeface="AngsanaUPC" pitchFamily="18" charset="-34"/>
+              </a:rPr>
+              <a:t>$scope, $http</a:t>
             </a:r>
           </a:p>
           <a:p>
